--- a/21551058常惠源/第一次读书报告/读书报告_常惠源.pptx
+++ b/21551058常惠源/第一次读书报告/读书报告_常惠源.pptx
@@ -221,7 +221,7 @@
           <a:p>
             <a:fld id="{7253F9CE-1475-F141-82BD-028D7A4328B2}" type="datetimeFigureOut">
               <a:rPr lang="en-US" smtClean="0"/>
-              <a:t>12/22/15</a:t>
+              <a:t>1/5/16</a:t>
             </a:fld>
             <a:endParaRPr lang="en-US"/>
           </a:p>
@@ -1118,8 +1118,18 @@
               </a:rPr>
               <a:t>Feature Detection </a:t>
             </a:r>
-          </a:p>
-          <a:p>
+            <a:r>
+              <a:rPr lang="en-US" altLang="zh-CN" sz="1200" kern="1200" dirty="0" smtClean="0">
+                <a:solidFill>
+                  <a:schemeClr val="tx1"/>
+                </a:solidFill>
+                <a:effectLst/>
+                <a:latin typeface="+mn-lt"/>
+                <a:ea typeface="+mn-ea"/>
+                <a:cs typeface="+mn-cs"/>
+              </a:rPr>
+              <a:t>|</a:t>
+            </a:r>
             <a:r>
               <a:rPr lang="en-US" sz="1200" kern="1200" dirty="0" smtClean="0">
                 <a:solidFill>
@@ -1130,10 +1140,32 @@
                 <a:ea typeface="+mn-ea"/>
                 <a:cs typeface="+mn-cs"/>
               </a:rPr>
-              <a:t>Feature Classification and Training </a:t>
-            </a:r>
-          </a:p>
-          <a:p>
+              <a:t>Feature </a:t>
+            </a:r>
+            <a:r>
+              <a:rPr lang="en-US" sz="1200" kern="1200" dirty="0" smtClean="0">
+                <a:solidFill>
+                  <a:schemeClr val="tx1"/>
+                </a:solidFill>
+                <a:effectLst/>
+                <a:latin typeface="+mn-lt"/>
+                <a:ea typeface="+mn-ea"/>
+                <a:cs typeface="+mn-cs"/>
+              </a:rPr>
+              <a:t>Classification and Training </a:t>
+            </a:r>
+            <a:r>
+              <a:rPr lang="en-US" altLang="zh-CN" sz="1200" kern="1200" dirty="0" smtClean="0">
+                <a:solidFill>
+                  <a:schemeClr val="tx1"/>
+                </a:solidFill>
+                <a:effectLst/>
+                <a:latin typeface="+mn-lt"/>
+                <a:ea typeface="+mn-ea"/>
+                <a:cs typeface="+mn-cs"/>
+              </a:rPr>
+              <a:t>|</a:t>
+            </a:r>
             <a:r>
               <a:rPr lang="en-US" sz="1200" kern="1200" dirty="0" smtClean="0">
                 <a:solidFill>
@@ -1146,8 +1178,30 @@
               </a:rPr>
               <a:t>Matching </a:t>
             </a:r>
-          </a:p>
-          <a:p>
+            <a:r>
+              <a:rPr lang="en-US" altLang="zh-CN" sz="1200" kern="1200" dirty="0" smtClean="0">
+                <a:solidFill>
+                  <a:schemeClr val="tx1"/>
+                </a:solidFill>
+                <a:effectLst/>
+                <a:latin typeface="+mn-lt"/>
+                <a:ea typeface="+mn-ea"/>
+                <a:cs typeface="+mn-cs"/>
+              </a:rPr>
+              <a:t>|</a:t>
+            </a:r>
+            <a:r>
+              <a:rPr lang="zh-CN" altLang="en-US" sz="1200" kern="1200" baseline="0" dirty="0" smtClean="0">
+                <a:solidFill>
+                  <a:schemeClr val="tx1"/>
+                </a:solidFill>
+                <a:effectLst/>
+                <a:latin typeface="+mn-lt"/>
+                <a:ea typeface="+mn-ea"/>
+                <a:cs typeface="+mn-cs"/>
+              </a:rPr>
+              <a:t> </a:t>
+            </a:r>
             <a:r>
               <a:rPr lang="en-US" sz="1200" kern="1200" dirty="0" smtClean="0">
                 <a:solidFill>
@@ -1158,10 +1212,82 @@
                 <a:ea typeface="+mn-ea"/>
                 <a:cs typeface="+mn-cs"/>
               </a:rPr>
-              <a:t>Outlier Rejection </a:t>
-            </a:r>
-          </a:p>
-          <a:p>
+              <a:t>Outlier </a:t>
+            </a:r>
+            <a:r>
+              <a:rPr lang="en-US" sz="1200" kern="1200" dirty="0" smtClean="0">
+                <a:solidFill>
+                  <a:schemeClr val="tx1"/>
+                </a:solidFill>
+                <a:effectLst/>
+                <a:latin typeface="+mn-lt"/>
+                <a:ea typeface="+mn-ea"/>
+                <a:cs typeface="+mn-cs"/>
+              </a:rPr>
+              <a:t>Rejection </a:t>
+            </a:r>
+          </a:p>
+          <a:p>
+            <a:r>
+              <a:rPr lang="en-US" sz="1200" b="0" i="0" kern="1200" dirty="0" smtClean="0">
+                <a:solidFill>
+                  <a:schemeClr val="tx1"/>
+                </a:solidFill>
+                <a:effectLst/>
+                <a:latin typeface="+mn-lt"/>
+                <a:ea typeface="+mn-ea"/>
+                <a:cs typeface="+mn-cs"/>
+              </a:rPr>
+              <a:t>features from accelerated segment tes</a:t>
+            </a:r>
+            <a:r>
+              <a:rPr lang="en-US" altLang="zh-CN" sz="1200" b="0" i="0" kern="1200" dirty="0" smtClean="0">
+                <a:solidFill>
+                  <a:schemeClr val="tx1"/>
+                </a:solidFill>
+                <a:effectLst/>
+                <a:latin typeface="+mn-lt"/>
+                <a:ea typeface="+mn-ea"/>
+                <a:cs typeface="+mn-cs"/>
+              </a:rPr>
+              <a:t>t</a:t>
+            </a:r>
+            <a:r>
+              <a:rPr lang="zh-CN" altLang="en-US" sz="1200" b="0" i="0" kern="1200" dirty="0" smtClean="0">
+                <a:solidFill>
+                  <a:schemeClr val="tx1"/>
+                </a:solidFill>
+                <a:effectLst/>
+                <a:latin typeface="+mn-lt"/>
+                <a:ea typeface="+mn-ea"/>
+                <a:cs typeface="+mn-cs"/>
+              </a:rPr>
+              <a:t> </a:t>
+            </a:r>
+            <a:r>
+              <a:rPr lang="en-US" altLang="zh-CN" sz="1200" b="0" i="0" kern="1200" dirty="0" smtClean="0">
+                <a:solidFill>
+                  <a:schemeClr val="tx1"/>
+                </a:solidFill>
+                <a:effectLst/>
+                <a:latin typeface="+mn-lt"/>
+                <a:ea typeface="+mn-ea"/>
+                <a:cs typeface="+mn-cs"/>
+              </a:rPr>
+              <a:t>FAST</a:t>
+            </a:r>
+            <a:r>
+              <a:rPr lang="zh-CN" altLang="en-US" sz="1200" b="0" i="0" kern="1200" dirty="0" smtClean="0">
+                <a:solidFill>
+                  <a:schemeClr val="tx1"/>
+                </a:solidFill>
+                <a:effectLst/>
+                <a:latin typeface="+mn-lt"/>
+                <a:ea typeface="+mn-ea"/>
+                <a:cs typeface="+mn-cs"/>
+              </a:rPr>
+              <a:t>特征点检测是公认的比较快速的特征点检测方法，只利用周围像素比较的信息就可以得到特征点，简单，有效</a:t>
+            </a:r>
             <a:endParaRPr lang="en-US" dirty="0"/>
           </a:p>
         </p:txBody>
@@ -1494,7 +1620,7 @@
             <a:fld id="{C80609FD-8030-48AD-8A9E-0D5D8429C5B7}" type="datetimeFigureOut">
               <a:rPr lang="zh-TW" altLang="en-US" smtClean="0"/>
               <a:pPr/>
-              <a:t>2015/12/22</a:t>
+              <a:t>2016/1/5</a:t>
             </a:fld>
             <a:endParaRPr lang="zh-TW" altLang="en-US"/>
           </a:p>
@@ -1687,7 +1813,7 @@
             <a:fld id="{C80609FD-8030-48AD-8A9E-0D5D8429C5B7}" type="datetimeFigureOut">
               <a:rPr lang="zh-TW" altLang="en-US" smtClean="0"/>
               <a:pPr/>
-              <a:t>2015/12/22</a:t>
+              <a:t>2016/1/5</a:t>
             </a:fld>
             <a:endParaRPr lang="zh-TW" altLang="en-US"/>
           </a:p>
@@ -1874,7 +2000,7 @@
             <a:fld id="{C80609FD-8030-48AD-8A9E-0D5D8429C5B7}" type="datetimeFigureOut">
               <a:rPr lang="zh-TW" altLang="en-US" smtClean="0"/>
               <a:pPr/>
-              <a:t>2015/12/22</a:t>
+              <a:t>2016/1/5</a:t>
             </a:fld>
             <a:endParaRPr lang="zh-TW" altLang="en-US"/>
           </a:p>
@@ -2139,7 +2265,7 @@
             <a:fld id="{C80609FD-8030-48AD-8A9E-0D5D8429C5B7}" type="datetimeFigureOut">
               <a:rPr lang="zh-TW" altLang="en-US" smtClean="0"/>
               <a:pPr/>
-              <a:t>2015/12/22</a:t>
+              <a:t>2016/1/5</a:t>
             </a:fld>
             <a:endParaRPr lang="zh-TW" altLang="en-US"/>
           </a:p>
@@ -2557,7 +2683,7 @@
             <a:fld id="{C80609FD-8030-48AD-8A9E-0D5D8429C5B7}" type="datetimeFigureOut">
               <a:rPr lang="zh-TW" altLang="en-US" smtClean="0"/>
               <a:pPr/>
-              <a:t>2015/12/22</a:t>
+              <a:t>2016/1/5</a:t>
             </a:fld>
             <a:endParaRPr lang="zh-TW" altLang="en-US"/>
           </a:p>
@@ -2801,7 +2927,7 @@
             <a:fld id="{C80609FD-8030-48AD-8A9E-0D5D8429C5B7}" type="datetimeFigureOut">
               <a:rPr lang="zh-TW" altLang="en-US" smtClean="0"/>
               <a:pPr/>
-              <a:t>2015/12/22</a:t>
+              <a:t>2016/1/5</a:t>
             </a:fld>
             <a:endParaRPr lang="zh-TW" altLang="en-US"/>
           </a:p>
@@ -3039,7 +3165,7 @@
             <a:fld id="{C80609FD-8030-48AD-8A9E-0D5D8429C5B7}" type="datetimeFigureOut">
               <a:rPr lang="zh-TW" altLang="en-US" smtClean="0"/>
               <a:pPr/>
-              <a:t>2015/12/22</a:t>
+              <a:t>2016/1/5</a:t>
             </a:fld>
             <a:endParaRPr lang="zh-TW" altLang="en-US"/>
           </a:p>
@@ -3236,7 +3362,7 @@
             <a:fld id="{C80609FD-8030-48AD-8A9E-0D5D8429C5B7}" type="datetimeFigureOut">
               <a:rPr lang="zh-TW" altLang="en-US" smtClean="0"/>
               <a:pPr/>
-              <a:t>2015/12/22</a:t>
+              <a:t>2016/1/5</a:t>
             </a:fld>
             <a:endParaRPr lang="zh-TW" altLang="en-US"/>
           </a:p>
@@ -3336,7 +3462,7 @@
             <a:fld id="{C80609FD-8030-48AD-8A9E-0D5D8429C5B7}" type="datetimeFigureOut">
               <a:rPr lang="zh-TW" altLang="en-US" smtClean="0"/>
               <a:pPr/>
-              <a:t>2015/12/22</a:t>
+              <a:t>2016/1/5</a:t>
             </a:fld>
             <a:endParaRPr lang="zh-TW" altLang="en-US"/>
           </a:p>
@@ -3474,7 +3600,7 @@
             <a:fld id="{C80609FD-8030-48AD-8A9E-0D5D8429C5B7}" type="datetimeFigureOut">
               <a:rPr lang="zh-TW" altLang="en-US" smtClean="0"/>
               <a:pPr/>
-              <a:t>2015/12/22</a:t>
+              <a:t>2016/1/5</a:t>
             </a:fld>
             <a:endParaRPr lang="zh-TW" altLang="en-US"/>
           </a:p>
@@ -3994,7 +4120,7 @@
             <a:fld id="{C80609FD-8030-48AD-8A9E-0D5D8429C5B7}" type="datetimeFigureOut">
               <a:rPr lang="zh-TW" altLang="en-US" smtClean="0"/>
               <a:pPr/>
-              <a:t>2015/12/22</a:t>
+              <a:t>2016/1/5</a:t>
             </a:fld>
             <a:endParaRPr lang="zh-TW" altLang="en-US"/>
           </a:p>
@@ -4257,7 +4383,7 @@
             <a:fld id="{C80609FD-8030-48AD-8A9E-0D5D8429C5B7}" type="datetimeFigureOut">
               <a:rPr lang="zh-TW" altLang="en-US" smtClean="0"/>
               <a:pPr/>
-              <a:t>2015/12/22</a:t>
+              <a:t>2016/1/5</a:t>
             </a:fld>
             <a:endParaRPr lang="zh-TW" altLang="en-US"/>
           </a:p>
@@ -4819,6 +4945,7 @@
           </a:bodyPr>
           <a:lstStyle/>
           <a:p>
+            <a:pPr algn="r"/>
             <a:r>
               <a:rPr lang="en-US" altLang="zh-TW" dirty="0" smtClean="0"/>
               <a:t>Real-Time Detection and Tracking for Augmented Reality on Mobile Phones</a:t>
@@ -4828,7 +4955,35 @@
             </a:br>
             <a:r>
               <a:rPr lang="zh-CN" altLang="en-US" dirty="0" smtClean="0"/>
-              <a:t>基于移动设备的增强现实实时监测与跟踪</a:t>
+              <a:t>应用于</a:t>
+            </a:r>
+            <a:r>
+              <a:rPr lang="zh-CN" altLang="en-US" dirty="0" smtClean="0"/>
+              <a:t>移动设备上的</a:t>
+            </a:r>
+            <a:r>
+              <a:rPr lang="zh-CN" altLang="en-US" dirty="0" smtClean="0"/>
+              <a:t>增强</a:t>
+            </a:r>
+            <a:r>
+              <a:rPr lang="zh-CN" altLang="en-US" dirty="0" smtClean="0"/>
+              <a:t>现实的实</a:t>
+            </a:r>
+            <a:r>
+              <a:rPr lang="zh-CN" altLang="en-US" dirty="0" smtClean="0"/>
+              <a:t>时监测与</a:t>
+            </a:r>
+            <a:r>
+              <a:rPr lang="zh-CN" altLang="en-US" dirty="0" smtClean="0"/>
+              <a:t>跟踪</a:t>
+            </a:r>
+            <a:r>
+              <a:rPr lang="zh-CN" altLang="en-US" dirty="0" smtClean="0"/>
+              <a:t>方</a:t>
+            </a:r>
+            <a:r>
+              <a:rPr lang="zh-CN" altLang="en-US" dirty="0" smtClean="0"/>
+              <a:t>法改进</a:t>
             </a:r>
             <a:r>
               <a:rPr lang="en-US" altLang="zh-TW" dirty="0" smtClean="0"/>
@@ -5391,31 +5546,14 @@
               <a:buNone/>
             </a:pPr>
             <a:r>
-              <a:rPr lang="en-US" altLang="zh-TW" dirty="0" smtClean="0"/>
+              <a:rPr lang="en-US" altLang="zh-TW" sz="4800" dirty="0" smtClean="0"/>
               <a:t>Thank </a:t>
             </a:r>
             <a:r>
-              <a:rPr lang="en-US" altLang="zh-TW" dirty="0" smtClean="0"/>
+              <a:rPr lang="en-US" altLang="zh-TW" sz="4800" dirty="0" smtClean="0"/>
               <a:t>you</a:t>
             </a:r>
-          </a:p>
-          <a:p>
-            <a:pPr algn="ctr">
-              <a:buNone/>
-            </a:pPr>
-            <a:r>
-              <a:rPr lang="en-US" altLang="zh-CN" dirty="0" err="1" smtClean="0"/>
-              <a:t>Huiyuan</a:t>
-            </a:r>
-            <a:r>
-              <a:rPr lang="zh-CN" altLang="en-US" dirty="0" smtClean="0"/>
-              <a:t> </a:t>
-            </a:r>
-            <a:r>
-              <a:rPr lang="en-US" altLang="zh-CN" dirty="0" smtClean="0"/>
-              <a:t>Chang</a:t>
-            </a:r>
-            <a:endParaRPr lang="zh-TW" altLang="en-US" dirty="0"/>
+            <a:endParaRPr lang="en-US" altLang="zh-TW" sz="4800" dirty="0" smtClean="0"/>
           </a:p>
         </p:txBody>
       </p:sp>
@@ -6182,7 +6320,7 @@
             <a:pPr lvl="1"/>
             <a:r>
               <a:rPr lang="en-US" altLang="zh-TW" dirty="0" smtClean="0"/>
-              <a:t>Uses FAST corner detector to all scaled images to detect feature points instead of scale-crossing </a:t>
+              <a:t>Uses FAST corner detector to all scaled images to detect feature points instead of </a:t>
             </a:r>
             <a:r>
               <a:rPr lang="en-US" altLang="zh-TW" dirty="0" err="1" smtClean="0"/>
@@ -6202,8 +6340,21 @@
             </a:r>
             <a:r>
               <a:rPr lang="en-US" altLang="zh-TW" dirty="0" smtClean="0"/>
-              <a:t>, 4bins each , creates 36-d vector</a:t>
-            </a:r>
+              <a:t>, 4bins each , creates </a:t>
+            </a:r>
+            <a:r>
+              <a:rPr lang="en-US" altLang="zh-TW" dirty="0" smtClean="0"/>
+              <a:t>36</a:t>
+            </a:r>
+            <a:r>
+              <a:rPr lang="zh-CN" altLang="en-US" dirty="0" smtClean="0"/>
+              <a:t> </a:t>
+            </a:r>
+            <a:r>
+              <a:rPr lang="en-US" dirty="0"/>
+              <a:t>elements </a:t>
+            </a:r>
+            <a:endParaRPr lang="en-US" dirty="0"/>
           </a:p>
         </p:txBody>
       </p:sp>
@@ -6299,18 +6450,7 @@
             <a:pPr lvl="1"/>
             <a:r>
               <a:rPr lang="en-US" altLang="zh-TW" dirty="0" smtClean="0"/>
-              <a:t>Uses </a:t>
-            </a:r>
-            <a:r>
-              <a:rPr lang="en-US" altLang="zh-TW" dirty="0" smtClean="0"/>
-              <a:t>8-bit size to store probability instead of using 4 bytes float point value</a:t>
-            </a:r>
-          </a:p>
-          <a:p>
-            <a:pPr lvl="1"/>
-            <a:r>
-              <a:rPr lang="en-US" altLang="zh-TW" dirty="0" smtClean="0"/>
-              <a:t>modifying the training scheme to use all FAST responses within the 8-neighborhood</a:t>
+              <a:t>Uses 8-bit size to store probability instead of using 4 bytes float point value</a:t>
             </a:r>
           </a:p>
           <a:p>
@@ -6408,12 +6548,50 @@
           <a:p>
             <a:r>
               <a:rPr lang="en-US" altLang="zh-TW" dirty="0" smtClean="0"/>
-              <a:t>New feature positions can be successfully predicted by old </a:t>
+              <a:t>New feature positions can be successfully predicted by old one</a:t>
             </a:r>
             <a:r>
               <a:rPr lang="en-US" altLang="zh-TW" dirty="0" smtClean="0"/>
-              <a:t>one.</a:t>
-            </a:r>
+              <a:t>.</a:t>
+            </a:r>
+            <a:r>
+              <a:rPr lang="en-US" dirty="0"/>
+              <a:t> </a:t>
+            </a:r>
+            <a:endParaRPr lang="en-US" dirty="0" smtClean="0"/>
+          </a:p>
+          <a:p>
+            <a:r>
+              <a:rPr lang="en-US" altLang="zh-CN" dirty="0" smtClean="0"/>
+              <a:t>D</a:t>
+            </a:r>
+            <a:r>
+              <a:rPr lang="en-US" dirty="0" smtClean="0"/>
+              <a:t>o </a:t>
+            </a:r>
+            <a:r>
+              <a:rPr lang="en-US" dirty="0"/>
+              <a:t>not require a </a:t>
+            </a:r>
+            <a:r>
+              <a:rPr lang="en-US" dirty="0" err="1"/>
+              <a:t>keypoint</a:t>
+            </a:r>
+            <a:r>
+              <a:rPr lang="en-US" dirty="0"/>
+              <a:t> detection step. This makes the tracker </a:t>
+            </a:r>
+            <a:r>
+              <a:rPr lang="en-US" dirty="0" smtClean="0"/>
+              <a:t>faster</a:t>
+            </a:r>
+            <a:r>
+              <a:rPr lang="en-US" altLang="zh-CN" dirty="0"/>
+              <a:t>.</a:t>
+            </a:r>
+            <a:endParaRPr lang="en-US" dirty="0"/>
+          </a:p>
+          <a:p>
             <a:endParaRPr lang="en-US" altLang="zh-TW" dirty="0" smtClean="0"/>
           </a:p>
           <a:p>
